--- a/reference/khu_sensor/khu_sensor_blockdiagram.pptx
+++ b/reference/khu_sensor/khu_sensor_blockdiagram.pptx
@@ -263,7 +263,7 @@
           <a:p>
             <a:fld id="{10829F45-269B-44BA-AA27-CD622DCE26F3}" type="datetimeFigureOut">
               <a:rPr lang="ko-KR" altLang="en-US" smtClean="0"/>
-              <a:t>2020-03-22</a:t>
+              <a:t>2020. 4. 22.</a:t>
             </a:fld>
             <a:endParaRPr lang="ko-KR" altLang="en-US"/>
           </a:p>
@@ -461,7 +461,7 @@
           <a:p>
             <a:fld id="{10829F45-269B-44BA-AA27-CD622DCE26F3}" type="datetimeFigureOut">
               <a:rPr lang="ko-KR" altLang="en-US" smtClean="0"/>
-              <a:t>2020-03-22</a:t>
+              <a:t>2020. 4. 22.</a:t>
             </a:fld>
             <a:endParaRPr lang="ko-KR" altLang="en-US"/>
           </a:p>
@@ -669,7 +669,7 @@
           <a:p>
             <a:fld id="{10829F45-269B-44BA-AA27-CD622DCE26F3}" type="datetimeFigureOut">
               <a:rPr lang="ko-KR" altLang="en-US" smtClean="0"/>
-              <a:t>2020-03-22</a:t>
+              <a:t>2020. 4. 22.</a:t>
             </a:fld>
             <a:endParaRPr lang="ko-KR" altLang="en-US"/>
           </a:p>
@@ -867,7 +867,7 @@
           <a:p>
             <a:fld id="{10829F45-269B-44BA-AA27-CD622DCE26F3}" type="datetimeFigureOut">
               <a:rPr lang="ko-KR" altLang="en-US" smtClean="0"/>
-              <a:t>2020-03-22</a:t>
+              <a:t>2020. 4. 22.</a:t>
             </a:fld>
             <a:endParaRPr lang="ko-KR" altLang="en-US"/>
           </a:p>
@@ -1142,7 +1142,7 @@
           <a:p>
             <a:fld id="{10829F45-269B-44BA-AA27-CD622DCE26F3}" type="datetimeFigureOut">
               <a:rPr lang="ko-KR" altLang="en-US" smtClean="0"/>
-              <a:t>2020-03-22</a:t>
+              <a:t>2020. 4. 22.</a:t>
             </a:fld>
             <a:endParaRPr lang="ko-KR" altLang="en-US"/>
           </a:p>
@@ -1407,7 +1407,7 @@
           <a:p>
             <a:fld id="{10829F45-269B-44BA-AA27-CD622DCE26F3}" type="datetimeFigureOut">
               <a:rPr lang="ko-KR" altLang="en-US" smtClean="0"/>
-              <a:t>2020-03-22</a:t>
+              <a:t>2020. 4. 22.</a:t>
             </a:fld>
             <a:endParaRPr lang="ko-KR" altLang="en-US"/>
           </a:p>
@@ -1819,7 +1819,7 @@
           <a:p>
             <a:fld id="{10829F45-269B-44BA-AA27-CD622DCE26F3}" type="datetimeFigureOut">
               <a:rPr lang="ko-KR" altLang="en-US" smtClean="0"/>
-              <a:t>2020-03-22</a:t>
+              <a:t>2020. 4. 22.</a:t>
             </a:fld>
             <a:endParaRPr lang="ko-KR" altLang="en-US"/>
           </a:p>
@@ -1960,7 +1960,7 @@
           <a:p>
             <a:fld id="{10829F45-269B-44BA-AA27-CD622DCE26F3}" type="datetimeFigureOut">
               <a:rPr lang="ko-KR" altLang="en-US" smtClean="0"/>
-              <a:t>2020-03-22</a:t>
+              <a:t>2020. 4. 22.</a:t>
             </a:fld>
             <a:endParaRPr lang="ko-KR" altLang="en-US"/>
           </a:p>
@@ -2073,7 +2073,7 @@
           <a:p>
             <a:fld id="{10829F45-269B-44BA-AA27-CD622DCE26F3}" type="datetimeFigureOut">
               <a:rPr lang="ko-KR" altLang="en-US" smtClean="0"/>
-              <a:t>2020-03-22</a:t>
+              <a:t>2020. 4. 22.</a:t>
             </a:fld>
             <a:endParaRPr lang="ko-KR" altLang="en-US"/>
           </a:p>
@@ -2384,7 +2384,7 @@
           <a:p>
             <a:fld id="{10829F45-269B-44BA-AA27-CD622DCE26F3}" type="datetimeFigureOut">
               <a:rPr lang="ko-KR" altLang="en-US" smtClean="0"/>
-              <a:t>2020-03-22</a:t>
+              <a:t>2020. 4. 22.</a:t>
             </a:fld>
             <a:endParaRPr lang="ko-KR" altLang="en-US"/>
           </a:p>
@@ -2672,7 +2672,7 @@
           <a:p>
             <a:fld id="{10829F45-269B-44BA-AA27-CD622DCE26F3}" type="datetimeFigureOut">
               <a:rPr lang="ko-KR" altLang="en-US" smtClean="0"/>
-              <a:t>2020-03-22</a:t>
+              <a:t>2020. 4. 22.</a:t>
             </a:fld>
             <a:endParaRPr lang="ko-KR" altLang="en-US"/>
           </a:p>
@@ -2913,7 +2913,7 @@
           <a:p>
             <a:fld id="{10829F45-269B-44BA-AA27-CD622DCE26F3}" type="datetimeFigureOut">
               <a:rPr lang="ko-KR" altLang="en-US" smtClean="0"/>
-              <a:t>2020-03-22</a:t>
+              <a:t>2020. 4. 22.</a:t>
             </a:fld>
             <a:endParaRPr lang="ko-KR" altLang="en-US"/>
           </a:p>
@@ -3344,8 +3344,8 @@
         </p:nvSpPr>
         <p:spPr>
           <a:xfrm>
-            <a:off x="2533476" y="1669409"/>
-            <a:ext cx="6853805" cy="4018327"/>
+            <a:off x="1511808" y="1669409"/>
+            <a:ext cx="8522208" cy="4018327"/>
           </a:xfrm>
           <a:prstGeom prst="rect">
             <a:avLst/>
@@ -3396,7 +3396,7 @@
         </p:nvSpPr>
         <p:spPr>
           <a:xfrm>
-            <a:off x="2929156" y="2038526"/>
+            <a:off x="1662823" y="2069507"/>
             <a:ext cx="1869347" cy="1359017"/>
           </a:xfrm>
           <a:prstGeom prst="rect">
@@ -3471,7 +3471,7 @@
         </p:nvSpPr>
         <p:spPr>
           <a:xfrm>
-            <a:off x="2929156" y="3800213"/>
+            <a:off x="1665899" y="3783016"/>
             <a:ext cx="1869347" cy="1359017"/>
           </a:xfrm>
           <a:prstGeom prst="rect">
@@ -3546,7 +3546,7 @@
         </p:nvSpPr>
         <p:spPr>
           <a:xfrm>
-            <a:off x="3344411" y="2835476"/>
+            <a:off x="1820411" y="2833741"/>
             <a:ext cx="1068199" cy="327173"/>
           </a:xfrm>
           <a:prstGeom prst="rect">
@@ -3610,7 +3610,7 @@
         </p:nvSpPr>
         <p:spPr>
           <a:xfrm>
-            <a:off x="3344411" y="4609748"/>
+            <a:off x="1820411" y="4609748"/>
             <a:ext cx="1068199" cy="302004"/>
           </a:xfrm>
           <a:prstGeom prst="rect">
@@ -3674,7 +3674,7 @@
         </p:nvSpPr>
         <p:spPr>
           <a:xfrm>
-            <a:off x="5133365" y="2999063"/>
+            <a:off x="5723276" y="2999063"/>
             <a:ext cx="1869347" cy="1212211"/>
           </a:xfrm>
           <a:prstGeom prst="rect">
@@ -3738,7 +3738,7 @@
         </p:nvSpPr>
         <p:spPr>
           <a:xfrm>
-            <a:off x="7300519" y="2999063"/>
+            <a:off x="7968142" y="2999063"/>
             <a:ext cx="1869347" cy="1212211"/>
           </a:xfrm>
           <a:prstGeom prst="rect">
@@ -3797,7 +3797,7 @@
         </p:nvSpPr>
         <p:spPr>
           <a:xfrm>
-            <a:off x="7701091" y="3078758"/>
+            <a:off x="8101667" y="3080854"/>
             <a:ext cx="1068199" cy="327173"/>
           </a:xfrm>
           <a:prstGeom prst="rect">
@@ -3861,7 +3861,7 @@
         </p:nvSpPr>
         <p:spPr>
           <a:xfrm>
-            <a:off x="7701092" y="3816991"/>
+            <a:off x="8101666" y="3816837"/>
             <a:ext cx="1068199" cy="327173"/>
           </a:xfrm>
           <a:prstGeom prst="rect">
@@ -3925,7 +3925,7 @@
         </p:nvSpPr>
         <p:spPr>
           <a:xfrm>
-            <a:off x="777380" y="2627845"/>
+            <a:off x="31460" y="2625751"/>
             <a:ext cx="1210811" cy="746623"/>
           </a:xfrm>
           <a:prstGeom prst="rect">
@@ -3989,7 +3989,7 @@
         </p:nvSpPr>
         <p:spPr>
           <a:xfrm>
-            <a:off x="777379" y="4387440"/>
+            <a:off x="31460" y="4387438"/>
             <a:ext cx="1210811" cy="746623"/>
           </a:xfrm>
           <a:prstGeom prst="rect">
@@ -4056,9 +4056,9 @@
           <p:nvPr/>
         </p:nvCxnSpPr>
         <p:spPr>
-          <a:xfrm flipV="1">
-            <a:off x="1988190" y="4760750"/>
-            <a:ext cx="1356221" cy="2"/>
+          <a:xfrm>
+            <a:off x="1242271" y="4760750"/>
+            <a:ext cx="578140" cy="0"/>
           </a:xfrm>
           <a:prstGeom prst="straightConnector1">
             <a:avLst/>
@@ -4103,8 +4103,8 @@
         </p:nvCxnSpPr>
         <p:spPr>
           <a:xfrm flipV="1">
-            <a:off x="1988191" y="2999063"/>
-            <a:ext cx="1356220" cy="2094"/>
+            <a:off x="1242271" y="2997328"/>
+            <a:ext cx="578140" cy="1735"/>
           </a:xfrm>
           <a:prstGeom prst="straightConnector1">
             <a:avLst/>
@@ -4149,8 +4149,8 @@
         </p:nvCxnSpPr>
         <p:spPr>
           <a:xfrm>
-            <a:off x="4798503" y="2718035"/>
-            <a:ext cx="1269536" cy="281028"/>
+            <a:off x="3532170" y="2749016"/>
+            <a:ext cx="3125780" cy="250047"/>
           </a:xfrm>
           <a:prstGeom prst="bentConnector2">
             <a:avLst/>
@@ -4189,15 +4189,14 @@
           </p:cNvPr>
           <p:cNvCxnSpPr>
             <a:cxnSpLocks/>
-            <a:stCxn id="7" idx="3"/>
             <a:endCxn id="10" idx="2"/>
           </p:cNvCxnSpPr>
           <p:nvPr/>
         </p:nvCxnSpPr>
         <p:spPr>
           <a:xfrm flipV="1">
-            <a:off x="4798503" y="4211274"/>
-            <a:ext cx="1269536" cy="268448"/>
+            <a:off x="5617030" y="4211274"/>
+            <a:ext cx="1040920" cy="389110"/>
           </a:xfrm>
           <a:prstGeom prst="bentConnector2">
             <a:avLst/>
@@ -4235,15 +4234,15 @@
             </a:extLst>
           </p:cNvPr>
           <p:cNvCxnSpPr>
-            <a:stCxn id="10" idx="3"/>
+            <a:cxnSpLocks/>
             <a:endCxn id="11" idx="1"/>
           </p:cNvCxnSpPr>
           <p:nvPr/>
         </p:nvCxnSpPr>
         <p:spPr>
           <a:xfrm>
-            <a:off x="7002712" y="3605169"/>
-            <a:ext cx="297807" cy="0"/>
+            <a:off x="7595616" y="3605168"/>
+            <a:ext cx="372526" cy="1"/>
           </a:xfrm>
           <a:prstGeom prst="straightConnector1">
             <a:avLst/>
@@ -4345,14 +4344,14 @@
             </a:extLst>
           </p:cNvPr>
           <p:cNvCxnSpPr>
-            <a:stCxn id="12" idx="3"/>
+            <a:cxnSpLocks/>
           </p:cNvCxnSpPr>
           <p:nvPr/>
         </p:nvCxnSpPr>
         <p:spPr>
-          <a:xfrm flipV="1">
-            <a:off x="8769290" y="3221372"/>
-            <a:ext cx="1529595" cy="20973"/>
+          <a:xfrm>
+            <a:off x="9169866" y="3221372"/>
+            <a:ext cx="1129019" cy="1"/>
           </a:xfrm>
           <a:prstGeom prst="straightConnector1">
             <a:avLst/>
@@ -4390,14 +4389,13 @@
           </p:cNvPr>
           <p:cNvCxnSpPr>
             <a:cxnSpLocks/>
-            <a:endCxn id="13" idx="3"/>
           </p:cNvCxnSpPr>
           <p:nvPr/>
         </p:nvCxnSpPr>
         <p:spPr>
           <a:xfrm flipH="1">
-            <a:off x="8769291" y="3980424"/>
-            <a:ext cx="1529594" cy="154"/>
+            <a:off x="9169866" y="3980424"/>
+            <a:ext cx="1129019" cy="153"/>
           </a:xfrm>
           <a:prstGeom prst="straightConnector1">
             <a:avLst/>
@@ -4457,6 +4455,183 @@
           </a:p>
         </p:txBody>
       </p:sp>
+      <p:sp>
+        <p:nvSpPr>
+          <p:cNvPr id="32" name="직사각형 6">
+            <a:extLst>
+              <a:ext uri="{FF2B5EF4-FFF2-40B4-BE49-F238E27FC236}">
+                <a16:creationId xmlns:a16="http://schemas.microsoft.com/office/drawing/2014/main" id="{F70CBD58-D8F2-F44F-9840-36EB87D5F5E2}"/>
+              </a:ext>
+            </a:extLst>
+          </p:cNvPr>
+          <p:cNvSpPr/>
+          <p:nvPr/>
+        </p:nvSpPr>
+        <p:spPr>
+          <a:xfrm>
+            <a:off x="4157904" y="4211274"/>
+            <a:ext cx="1459126" cy="783953"/>
+          </a:xfrm>
+          <a:prstGeom prst="rect">
+            <a:avLst/>
+          </a:prstGeom>
+          <a:noFill/>
+          <a:ln>
+            <a:solidFill>
+              <a:schemeClr val="tx1"/>
+            </a:solidFill>
+          </a:ln>
+        </p:spPr>
+        <p:style>
+          <a:lnRef idx="2">
+            <a:schemeClr val="accent1">
+              <a:shade val="50000"/>
+            </a:schemeClr>
+          </a:lnRef>
+          <a:fillRef idx="1">
+            <a:schemeClr val="accent1"/>
+          </a:fillRef>
+          <a:effectRef idx="0">
+            <a:schemeClr val="accent1"/>
+          </a:effectRef>
+          <a:fontRef idx="minor">
+            <a:schemeClr val="lt1"/>
+          </a:fontRef>
+        </p:style>
+        <p:txBody>
+          <a:bodyPr rtlCol="0" anchor="ctr"/>
+          <a:lstStyle/>
+          <a:p>
+            <a:pPr algn="ctr"/>
+            <a:r>
+              <a:rPr lang="en-US" altLang="ko-KR" sz="1400" dirty="0">
+                <a:solidFill>
+                  <a:schemeClr val="tx1"/>
+                </a:solidFill>
+              </a:rPr>
+              <a:t>ads1292_filter</a:t>
+            </a:r>
+            <a:endParaRPr lang="en-US" altLang="ko-KR" sz="1700" dirty="0">
+              <a:solidFill>
+                <a:schemeClr val="tx1"/>
+              </a:solidFill>
+            </a:endParaRPr>
+          </a:p>
+          <a:p>
+            <a:pPr algn="ctr"/>
+            <a:endParaRPr lang="ko-KR" altLang="en-US" sz="1700" dirty="0">
+              <a:solidFill>
+                <a:schemeClr val="tx1"/>
+              </a:solidFill>
+            </a:endParaRPr>
+          </a:p>
+        </p:txBody>
+      </p:sp>
+      <p:sp>
+        <p:nvSpPr>
+          <p:cNvPr id="34" name="직사각형 8">
+            <a:extLst>
+              <a:ext uri="{FF2B5EF4-FFF2-40B4-BE49-F238E27FC236}">
+                <a16:creationId xmlns:a16="http://schemas.microsoft.com/office/drawing/2014/main" id="{9BDC6239-D85D-A640-B05F-7DF8AEA54F94}"/>
+              </a:ext>
+            </a:extLst>
+          </p:cNvPr>
+          <p:cNvSpPr/>
+          <p:nvPr/>
+        </p:nvSpPr>
+        <p:spPr>
+          <a:xfrm>
+            <a:off x="4353367" y="4632771"/>
+            <a:ext cx="1068199" cy="302004"/>
+          </a:xfrm>
+          <a:prstGeom prst="rect">
+            <a:avLst/>
+          </a:prstGeom>
+          <a:noFill/>
+          <a:ln>
+            <a:solidFill>
+              <a:schemeClr val="tx1"/>
+            </a:solidFill>
+          </a:ln>
+        </p:spPr>
+        <p:style>
+          <a:lnRef idx="2">
+            <a:schemeClr val="accent1">
+              <a:shade val="50000"/>
+            </a:schemeClr>
+          </a:lnRef>
+          <a:fillRef idx="1">
+            <a:schemeClr val="accent1"/>
+          </a:fillRef>
+          <a:effectRef idx="0">
+            <a:schemeClr val="accent1"/>
+          </a:effectRef>
+          <a:fontRef idx="minor">
+            <a:schemeClr val="lt1"/>
+          </a:fontRef>
+        </p:style>
+        <p:txBody>
+          <a:bodyPr rtlCol="0" anchor="ctr"/>
+          <a:lstStyle/>
+          <a:p>
+            <a:pPr algn="ctr"/>
+            <a:r>
+              <a:rPr lang="en-US" altLang="ko-KR" sz="1200" dirty="0" err="1">
+                <a:solidFill>
+                  <a:schemeClr val="tx1"/>
+                </a:solidFill>
+              </a:rPr>
+              <a:t>IIR_Filter</a:t>
+            </a:r>
+            <a:endParaRPr lang="ko-KR" altLang="en-US" sz="1200" dirty="0">
+              <a:solidFill>
+                <a:schemeClr val="tx1"/>
+              </a:solidFill>
+            </a:endParaRPr>
+          </a:p>
+        </p:txBody>
+      </p:sp>
+      <p:cxnSp>
+        <p:nvCxnSpPr>
+          <p:cNvPr id="44" name="Straight Arrow Connector 43">
+            <a:extLst>
+              <a:ext uri="{FF2B5EF4-FFF2-40B4-BE49-F238E27FC236}">
+                <a16:creationId xmlns:a16="http://schemas.microsoft.com/office/drawing/2014/main" id="{07D7FA7F-35F8-6448-96B0-379DE17DE6F7}"/>
+              </a:ext>
+            </a:extLst>
+          </p:cNvPr>
+          <p:cNvCxnSpPr>
+            <a:stCxn id="7" idx="3"/>
+          </p:cNvCxnSpPr>
+          <p:nvPr/>
+        </p:nvCxnSpPr>
+        <p:spPr>
+          <a:xfrm flipV="1">
+            <a:off x="3535246" y="4462524"/>
+            <a:ext cx="622658" cy="1"/>
+          </a:xfrm>
+          <a:prstGeom prst="straightConnector1">
+            <a:avLst/>
+          </a:prstGeom>
+          <a:ln>
+            <a:tailEnd type="triangle"/>
+          </a:ln>
+        </p:spPr>
+        <p:style>
+          <a:lnRef idx="1">
+            <a:schemeClr val="dk1"/>
+          </a:lnRef>
+          <a:fillRef idx="0">
+            <a:schemeClr val="dk1"/>
+          </a:fillRef>
+          <a:effectRef idx="0">
+            <a:schemeClr val="dk1"/>
+          </a:effectRef>
+          <a:fontRef idx="minor">
+            <a:schemeClr val="tx1"/>
+          </a:fontRef>
+        </p:style>
+      </p:cxnSp>
     </p:spTree>
     <p:extLst>
       <p:ext uri="{BB962C8B-B14F-4D97-AF65-F5344CB8AC3E}">
